--- a/ppt/1.1绪论.pptx
+++ b/ppt/1.1绪论.pptx
@@ -10,8 +10,8 @@
   <p:sldIdLst>
     <p:sldId id="258" r:id="rId2"/>
     <p:sldId id="266" r:id="rId3"/>
-    <p:sldId id="259" r:id="rId4"/>
-    <p:sldId id="261" r:id="rId5"/>
+    <p:sldId id="281" r:id="rId4"/>
+    <p:sldId id="259" r:id="rId5"/>
     <p:sldId id="260" r:id="rId6"/>
     <p:sldId id="267" r:id="rId7"/>
     <p:sldId id="270" r:id="rId8"/>
@@ -136,8 +136,8 @@
         <p14:section name="无标题节" id="{7F9DBBA9-7A2A-E140-81C6-6683700F6D2B}">
           <p14:sldIdLst>
             <p14:sldId id="266"/>
+            <p14:sldId id="281"/>
             <p14:sldId id="259"/>
-            <p14:sldId id="261"/>
             <p14:sldId id="260"/>
             <p14:sldId id="267"/>
             <p14:sldId id="270"/>
@@ -246,7 +246,7 @@
           <a:p>
             <a:fld id="{66C3546E-20F6-7649-A9A4-4E4A245D3E82}" type="datetimeFigureOut">
               <a:rPr kumimoji="1" lang="zh-CN" altLang="en-US" smtClean="0"/>
-              <a:t>2020/2/9</a:t>
+              <a:t>2020/2/17</a:t>
             </a:fld>
             <a:endParaRPr kumimoji="1" lang="zh-CN" altLang="en-US"/>
           </a:p>
@@ -578,7 +578,7 @@
           <a:p>
             <a:fld id="{0F8E57A1-C481-6944-857F-EAC8E932B5ED}" type="slidenum">
               <a:rPr kumimoji="1" lang="zh-CN" altLang="en-US" smtClean="0"/>
-              <a:t>6</a:t>
+              <a:t>5</a:t>
             </a:fld>
             <a:endParaRPr kumimoji="1" lang="zh-CN" altLang="en-US"/>
           </a:p>
@@ -587,7 +587,7 @@
     </p:spTree>
     <p:extLst>
       <p:ext uri="{BB962C8B-B14F-4D97-AF65-F5344CB8AC3E}">
-        <p14:creationId xmlns:p14="http://schemas.microsoft.com/office/powerpoint/2010/main" val="2274547347"/>
+        <p14:creationId xmlns:p14="http://schemas.microsoft.com/office/powerpoint/2010/main" val="3324922013"/>
       </p:ext>
     </p:extLst>
   </p:cSld>
@@ -662,7 +662,7 @@
           <a:p>
             <a:fld id="{0F8E57A1-C481-6944-857F-EAC8E932B5ED}" type="slidenum">
               <a:rPr kumimoji="1" lang="zh-CN" altLang="en-US" smtClean="0"/>
-              <a:t>15</a:t>
+              <a:t>14</a:t>
             </a:fld>
             <a:endParaRPr kumimoji="1" lang="zh-CN" altLang="en-US"/>
           </a:p>
@@ -671,7 +671,7 @@
     </p:spTree>
     <p:extLst>
       <p:ext uri="{BB962C8B-B14F-4D97-AF65-F5344CB8AC3E}">
-        <p14:creationId xmlns:p14="http://schemas.microsoft.com/office/powerpoint/2010/main" val="3085926457"/>
+        <p14:creationId xmlns:p14="http://schemas.microsoft.com/office/powerpoint/2010/main" val="1598761612"/>
       </p:ext>
     </p:extLst>
   </p:cSld>
@@ -746,7 +746,7 @@
           <a:p>
             <a:fld id="{0F8E57A1-C481-6944-857F-EAC8E932B5ED}" type="slidenum">
               <a:rPr kumimoji="1" lang="zh-CN" altLang="en-US" smtClean="0"/>
-              <a:t>16</a:t>
+              <a:t>15</a:t>
             </a:fld>
             <a:endParaRPr kumimoji="1" lang="zh-CN" altLang="en-US"/>
           </a:p>
@@ -755,7 +755,7 @@
     </p:spTree>
     <p:extLst>
       <p:ext uri="{BB962C8B-B14F-4D97-AF65-F5344CB8AC3E}">
-        <p14:creationId xmlns:p14="http://schemas.microsoft.com/office/powerpoint/2010/main" val="127935022"/>
+        <p14:creationId xmlns:p14="http://schemas.microsoft.com/office/powerpoint/2010/main" val="3085926457"/>
       </p:ext>
     </p:extLst>
   </p:cSld>
@@ -809,30 +809,6 @@
           <a:bodyPr/>
           <a:lstStyle/>
           <a:p>
-            <a:pPr marL="0" marR="0" lvl="0" indent="0" algn="l" defTabSz="914400" rtl="0" eaLnBrk="1" fontAlgn="auto" latinLnBrk="0" hangingPunct="1">
-              <a:lnSpc>
-                <a:spcPct val="100000"/>
-              </a:lnSpc>
-              <a:spcBef>
-                <a:spcPts val="0"/>
-              </a:spcBef>
-              <a:spcAft>
-                <a:spcPts val="0"/>
-              </a:spcAft>
-              <a:buClrTx/>
-              <a:buSzTx/>
-              <a:buFontTx/>
-              <a:buNone/>
-              <a:tabLst/>
-              <a:defRPr/>
-            </a:pPr>
-            <a:r>
-              <a:rPr kumimoji="1" lang="zh-CN" altLang="en-US" dirty="0"/>
-              <a:t>另一个例子：狗会叫，猫会叫，鸭子也会叫，那他们可以抽象成 一个动物对象，这个动物对象有叫这个动作，但至于具体如何叫，就不是抽象数据模型的职责了，而是具体数据类型的职责</a:t>
-            </a:r>
-            <a:endParaRPr kumimoji="1" lang="en-US" altLang="zh-CN" dirty="0"/>
-          </a:p>
-          <a:p>
             <a:endParaRPr kumimoji="1" lang="zh-CN" altLang="en-US" dirty="0"/>
           </a:p>
         </p:txBody>
@@ -854,7 +830,7 @@
           <a:p>
             <a:fld id="{0F8E57A1-C481-6944-857F-EAC8E932B5ED}" type="slidenum">
               <a:rPr kumimoji="1" lang="zh-CN" altLang="en-US" smtClean="0"/>
-              <a:t>17</a:t>
+              <a:t>16</a:t>
             </a:fld>
             <a:endParaRPr kumimoji="1" lang="zh-CN" altLang="en-US"/>
           </a:p>
@@ -863,7 +839,7 @@
     </p:spTree>
     <p:extLst>
       <p:ext uri="{BB962C8B-B14F-4D97-AF65-F5344CB8AC3E}">
-        <p14:creationId xmlns:p14="http://schemas.microsoft.com/office/powerpoint/2010/main" val="2800683329"/>
+        <p14:creationId xmlns:p14="http://schemas.microsoft.com/office/powerpoint/2010/main" val="127935022"/>
       </p:ext>
     </p:extLst>
   </p:cSld>
@@ -962,6 +938,114 @@
           <a:p>
             <a:fld id="{0F8E57A1-C481-6944-857F-EAC8E932B5ED}" type="slidenum">
               <a:rPr kumimoji="1" lang="zh-CN" altLang="en-US" smtClean="0"/>
+              <a:t>17</a:t>
+            </a:fld>
+            <a:endParaRPr kumimoji="1" lang="zh-CN" altLang="en-US"/>
+          </a:p>
+        </p:txBody>
+      </p:sp>
+    </p:spTree>
+    <p:extLst>
+      <p:ext uri="{BB962C8B-B14F-4D97-AF65-F5344CB8AC3E}">
+        <p14:creationId xmlns:p14="http://schemas.microsoft.com/office/powerpoint/2010/main" val="2800683329"/>
+      </p:ext>
+    </p:extLst>
+  </p:cSld>
+  <p:clrMapOvr>
+    <a:masterClrMapping/>
+  </p:clrMapOvr>
+</p:notes>
+</file>
+
+<file path=ppt/notesSlides/notesSlide14.xml><?xml version="1.0" encoding="utf-8"?>
+<p:notes xmlns:a="http://schemas.openxmlformats.org/drawingml/2006/main" xmlns:r="http://schemas.openxmlformats.org/officeDocument/2006/relationships" xmlns:p="http://schemas.openxmlformats.org/presentationml/2006/main">
+  <p:cSld>
+    <p:spTree>
+      <p:nvGrpSpPr>
+        <p:cNvPr id="1" name=""/>
+        <p:cNvGrpSpPr/>
+        <p:nvPr/>
+      </p:nvGrpSpPr>
+      <p:grpSpPr>
+        <a:xfrm>
+          <a:off x="0" y="0"/>
+          <a:ext cx="0" cy="0"/>
+          <a:chOff x="0" y="0"/>
+          <a:chExt cx="0" cy="0"/>
+        </a:xfrm>
+      </p:grpSpPr>
+      <p:sp>
+        <p:nvSpPr>
+          <p:cNvPr id="2" name="幻灯片图像占位符 1"/>
+          <p:cNvSpPr>
+            <a:spLocks noGrp="1" noRot="1" noChangeAspect="1"/>
+          </p:cNvSpPr>
+          <p:nvPr>
+            <p:ph type="sldImg"/>
+          </p:nvPr>
+        </p:nvSpPr>
+        <p:spPr/>
+      </p:sp>
+      <p:sp>
+        <p:nvSpPr>
+          <p:cNvPr id="3" name="备注占位符 2"/>
+          <p:cNvSpPr>
+            <a:spLocks noGrp="1"/>
+          </p:cNvSpPr>
+          <p:nvPr>
+            <p:ph type="body" idx="1"/>
+          </p:nvPr>
+        </p:nvSpPr>
+        <p:spPr/>
+        <p:txBody>
+          <a:bodyPr/>
+          <a:lstStyle/>
+          <a:p>
+            <a:pPr marL="0" marR="0" lvl="0" indent="0" algn="l" defTabSz="914400" rtl="0" eaLnBrk="1" fontAlgn="auto" latinLnBrk="0" hangingPunct="1">
+              <a:lnSpc>
+                <a:spcPct val="100000"/>
+              </a:lnSpc>
+              <a:spcBef>
+                <a:spcPts val="0"/>
+              </a:spcBef>
+              <a:spcAft>
+                <a:spcPts val="0"/>
+              </a:spcAft>
+              <a:buClrTx/>
+              <a:buSzTx/>
+              <a:buFontTx/>
+              <a:buNone/>
+              <a:tabLst/>
+              <a:defRPr/>
+            </a:pPr>
+            <a:r>
+              <a:rPr kumimoji="1" lang="zh-CN" altLang="en-US" dirty="0"/>
+              <a:t>另一个例子：狗会叫，猫会叫，鸭子也会叫，那他们可以抽象成 一个动物对象，这个动物对象有叫这个动作，但至于具体如何叫，就不是抽象数据模型的职责了，而是具体数据类型的职责</a:t>
+            </a:r>
+            <a:endParaRPr kumimoji="1" lang="en-US" altLang="zh-CN" dirty="0"/>
+          </a:p>
+          <a:p>
+            <a:endParaRPr kumimoji="1" lang="zh-CN" altLang="en-US" dirty="0"/>
+          </a:p>
+        </p:txBody>
+      </p:sp>
+      <p:sp>
+        <p:nvSpPr>
+          <p:cNvPr id="4" name="灯片编号占位符 3"/>
+          <p:cNvSpPr>
+            <a:spLocks noGrp="1"/>
+          </p:cNvSpPr>
+          <p:nvPr>
+            <p:ph type="sldNum" sz="quarter" idx="5"/>
+          </p:nvPr>
+        </p:nvSpPr>
+        <p:spPr/>
+        <p:txBody>
+          <a:bodyPr/>
+          <a:lstStyle/>
+          <a:p>
+            <a:fld id="{0F8E57A1-C481-6944-857F-EAC8E932B5ED}" type="slidenum">
+              <a:rPr kumimoji="1" lang="zh-CN" altLang="en-US" smtClean="0"/>
               <a:t>18</a:t>
             </a:fld>
             <a:endParaRPr kumimoji="1" lang="zh-CN" altLang="en-US"/>
@@ -981,7 +1065,7 @@
 </p:notes>
 </file>
 
-<file path=ppt/notesSlides/notesSlide14.xml><?xml version="1.0" encoding="utf-8"?>
+<file path=ppt/notesSlides/notesSlide15.xml><?xml version="1.0" encoding="utf-8"?>
 <p:notes xmlns:a="http://schemas.openxmlformats.org/drawingml/2006/main" xmlns:r="http://schemas.openxmlformats.org/officeDocument/2006/relationships" xmlns:p="http://schemas.openxmlformats.org/presentationml/2006/main">
   <p:cSld>
     <p:spTree>
@@ -1130,7 +1214,7 @@
           <a:p>
             <a:fld id="{0F8E57A1-C481-6944-857F-EAC8E932B5ED}" type="slidenum">
               <a:rPr kumimoji="1" lang="zh-CN" altLang="en-US" smtClean="0"/>
-              <a:t>7</a:t>
+              <a:t>6</a:t>
             </a:fld>
             <a:endParaRPr kumimoji="1" lang="zh-CN" altLang="en-US"/>
           </a:p>
@@ -1139,7 +1223,7 @@
     </p:spTree>
     <p:extLst>
       <p:ext uri="{BB962C8B-B14F-4D97-AF65-F5344CB8AC3E}">
-        <p14:creationId xmlns:p14="http://schemas.microsoft.com/office/powerpoint/2010/main" val="3274922708"/>
+        <p14:creationId xmlns:p14="http://schemas.microsoft.com/office/powerpoint/2010/main" val="2274547347"/>
       </p:ext>
     </p:extLst>
   </p:cSld>
@@ -1193,10 +1277,7 @@
           <a:bodyPr/>
           <a:lstStyle/>
           <a:p>
-            <a:r>
-              <a:rPr kumimoji="1" lang="zh-CN" altLang="en-US" dirty="0"/>
-              <a:t>在数据结构中，我们谈论的最多的是 数据元素，然后再往下谈数据项</a:t>
-            </a:r>
+            <a:endParaRPr kumimoji="1" lang="zh-CN" altLang="en-US" dirty="0"/>
           </a:p>
         </p:txBody>
       </p:sp>
@@ -1217,7 +1298,7 @@
           <a:p>
             <a:fld id="{0F8E57A1-C481-6944-857F-EAC8E932B5ED}" type="slidenum">
               <a:rPr kumimoji="1" lang="zh-CN" altLang="en-US" smtClean="0"/>
-              <a:t>8</a:t>
+              <a:t>7</a:t>
             </a:fld>
             <a:endParaRPr kumimoji="1" lang="zh-CN" altLang="en-US"/>
           </a:p>
@@ -1226,7 +1307,7 @@
     </p:spTree>
     <p:extLst>
       <p:ext uri="{BB962C8B-B14F-4D97-AF65-F5344CB8AC3E}">
-        <p14:creationId xmlns:p14="http://schemas.microsoft.com/office/powerpoint/2010/main" val="1568470300"/>
+        <p14:creationId xmlns:p14="http://schemas.microsoft.com/office/powerpoint/2010/main" val="3274922708"/>
       </p:ext>
     </p:extLst>
   </p:cSld>
@@ -1280,7 +1361,10 @@
           <a:bodyPr/>
           <a:lstStyle/>
           <a:p>
-            <a:endParaRPr kumimoji="1" lang="zh-CN" altLang="en-US" dirty="0"/>
+            <a:r>
+              <a:rPr kumimoji="1" lang="zh-CN" altLang="en-US" dirty="0"/>
+              <a:t>在数据结构中，我们谈论的最多的是 数据元素，然后再往下谈数据项</a:t>
+            </a:r>
           </a:p>
         </p:txBody>
       </p:sp>
@@ -1301,7 +1385,7 @@
           <a:p>
             <a:fld id="{0F8E57A1-C481-6944-857F-EAC8E932B5ED}" type="slidenum">
               <a:rPr kumimoji="1" lang="zh-CN" altLang="en-US" smtClean="0"/>
-              <a:t>9</a:t>
+              <a:t>8</a:t>
             </a:fld>
             <a:endParaRPr kumimoji="1" lang="zh-CN" altLang="en-US"/>
           </a:p>
@@ -1310,7 +1394,7 @@
     </p:spTree>
     <p:extLst>
       <p:ext uri="{BB962C8B-B14F-4D97-AF65-F5344CB8AC3E}">
-        <p14:creationId xmlns:p14="http://schemas.microsoft.com/office/powerpoint/2010/main" val="810885978"/>
+        <p14:creationId xmlns:p14="http://schemas.microsoft.com/office/powerpoint/2010/main" val="1568470300"/>
       </p:ext>
     </p:extLst>
   </p:cSld>
@@ -1385,7 +1469,7 @@
           <a:p>
             <a:fld id="{0F8E57A1-C481-6944-857F-EAC8E932B5ED}" type="slidenum">
               <a:rPr kumimoji="1" lang="zh-CN" altLang="en-US" smtClean="0"/>
-              <a:t>10</a:t>
+              <a:t>9</a:t>
             </a:fld>
             <a:endParaRPr kumimoji="1" lang="zh-CN" altLang="en-US"/>
           </a:p>
@@ -1394,7 +1478,7 @@
     </p:spTree>
     <p:extLst>
       <p:ext uri="{BB962C8B-B14F-4D97-AF65-F5344CB8AC3E}">
-        <p14:creationId xmlns:p14="http://schemas.microsoft.com/office/powerpoint/2010/main" val="3497563520"/>
+        <p14:creationId xmlns:p14="http://schemas.microsoft.com/office/powerpoint/2010/main" val="810885978"/>
       </p:ext>
     </p:extLst>
   </p:cSld>
@@ -1469,6 +1553,90 @@
           <a:p>
             <a:fld id="{0F8E57A1-C481-6944-857F-EAC8E932B5ED}" type="slidenum">
               <a:rPr kumimoji="1" lang="zh-CN" altLang="en-US" smtClean="0"/>
+              <a:t>10</a:t>
+            </a:fld>
+            <a:endParaRPr kumimoji="1" lang="zh-CN" altLang="en-US"/>
+          </a:p>
+        </p:txBody>
+      </p:sp>
+    </p:spTree>
+    <p:extLst>
+      <p:ext uri="{BB962C8B-B14F-4D97-AF65-F5344CB8AC3E}">
+        <p14:creationId xmlns:p14="http://schemas.microsoft.com/office/powerpoint/2010/main" val="3497563520"/>
+      </p:ext>
+    </p:extLst>
+  </p:cSld>
+  <p:clrMapOvr>
+    <a:masterClrMapping/>
+  </p:clrMapOvr>
+</p:notes>
+</file>
+
+<file path=ppt/notesSlides/notesSlide7.xml><?xml version="1.0" encoding="utf-8"?>
+<p:notes xmlns:a="http://schemas.openxmlformats.org/drawingml/2006/main" xmlns:r="http://schemas.openxmlformats.org/officeDocument/2006/relationships" xmlns:p="http://schemas.openxmlformats.org/presentationml/2006/main">
+  <p:cSld>
+    <p:spTree>
+      <p:nvGrpSpPr>
+        <p:cNvPr id="1" name=""/>
+        <p:cNvGrpSpPr/>
+        <p:nvPr/>
+      </p:nvGrpSpPr>
+      <p:grpSpPr>
+        <a:xfrm>
+          <a:off x="0" y="0"/>
+          <a:ext cx="0" cy="0"/>
+          <a:chOff x="0" y="0"/>
+          <a:chExt cx="0" cy="0"/>
+        </a:xfrm>
+      </p:grpSpPr>
+      <p:sp>
+        <p:nvSpPr>
+          <p:cNvPr id="2" name="幻灯片图像占位符 1"/>
+          <p:cNvSpPr>
+            <a:spLocks noGrp="1" noRot="1" noChangeAspect="1"/>
+          </p:cNvSpPr>
+          <p:nvPr>
+            <p:ph type="sldImg"/>
+          </p:nvPr>
+        </p:nvSpPr>
+        <p:spPr/>
+      </p:sp>
+      <p:sp>
+        <p:nvSpPr>
+          <p:cNvPr id="3" name="备注占位符 2"/>
+          <p:cNvSpPr>
+            <a:spLocks noGrp="1"/>
+          </p:cNvSpPr>
+          <p:nvPr>
+            <p:ph type="body" idx="1"/>
+          </p:nvPr>
+        </p:nvSpPr>
+        <p:spPr/>
+        <p:txBody>
+          <a:bodyPr/>
+          <a:lstStyle/>
+          <a:p>
+            <a:endParaRPr kumimoji="1" lang="zh-CN" altLang="en-US" dirty="0"/>
+          </a:p>
+        </p:txBody>
+      </p:sp>
+      <p:sp>
+        <p:nvSpPr>
+          <p:cNvPr id="4" name="灯片编号占位符 3"/>
+          <p:cNvSpPr>
+            <a:spLocks noGrp="1"/>
+          </p:cNvSpPr>
+          <p:nvPr>
+            <p:ph type="sldNum" sz="quarter" idx="5"/>
+          </p:nvPr>
+        </p:nvSpPr>
+        <p:spPr/>
+        <p:txBody>
+          <a:bodyPr/>
+          <a:lstStyle/>
+          <a:p>
+            <a:fld id="{0F8E57A1-C481-6944-857F-EAC8E932B5ED}" type="slidenum">
+              <a:rPr kumimoji="1" lang="zh-CN" altLang="en-US" smtClean="0"/>
               <a:t>11</a:t>
             </a:fld>
             <a:endParaRPr kumimoji="1" lang="zh-CN" altLang="en-US"/>
@@ -1488,7 +1656,7 @@
 </p:notes>
 </file>
 
-<file path=ppt/notesSlides/notesSlide7.xml><?xml version="1.0" encoding="utf-8"?>
+<file path=ppt/notesSlides/notesSlide8.xml><?xml version="1.0" encoding="utf-8"?>
 <p:notes xmlns:a="http://schemas.openxmlformats.org/drawingml/2006/main" xmlns:r="http://schemas.openxmlformats.org/officeDocument/2006/relationships" xmlns:p="http://schemas.openxmlformats.org/presentationml/2006/main">
   <p:cSld>
     <p:spTree>
@@ -1632,7 +1800,7 @@
 </p:notes>
 </file>
 
-<file path=ppt/notesSlides/notesSlide8.xml><?xml version="1.0" encoding="utf-8"?>
+<file path=ppt/notesSlides/notesSlide9.xml><?xml version="1.0" encoding="utf-8"?>
 <p:notes xmlns:a="http://schemas.openxmlformats.org/drawingml/2006/main" xmlns:r="http://schemas.openxmlformats.org/officeDocument/2006/relationships" xmlns:p="http://schemas.openxmlformats.org/presentationml/2006/main">
   <p:cSld>
     <p:spTree>
@@ -1776,90 +1944,6 @@
 </p:notes>
 </file>
 
-<file path=ppt/notesSlides/notesSlide9.xml><?xml version="1.0" encoding="utf-8"?>
-<p:notes xmlns:a="http://schemas.openxmlformats.org/drawingml/2006/main" xmlns:r="http://schemas.openxmlformats.org/officeDocument/2006/relationships" xmlns:p="http://schemas.openxmlformats.org/presentationml/2006/main">
-  <p:cSld>
-    <p:spTree>
-      <p:nvGrpSpPr>
-        <p:cNvPr id="1" name=""/>
-        <p:cNvGrpSpPr/>
-        <p:nvPr/>
-      </p:nvGrpSpPr>
-      <p:grpSpPr>
-        <a:xfrm>
-          <a:off x="0" y="0"/>
-          <a:ext cx="0" cy="0"/>
-          <a:chOff x="0" y="0"/>
-          <a:chExt cx="0" cy="0"/>
-        </a:xfrm>
-      </p:grpSpPr>
-      <p:sp>
-        <p:nvSpPr>
-          <p:cNvPr id="2" name="幻灯片图像占位符 1"/>
-          <p:cNvSpPr>
-            <a:spLocks noGrp="1" noRot="1" noChangeAspect="1"/>
-          </p:cNvSpPr>
-          <p:nvPr>
-            <p:ph type="sldImg"/>
-          </p:nvPr>
-        </p:nvSpPr>
-        <p:spPr/>
-      </p:sp>
-      <p:sp>
-        <p:nvSpPr>
-          <p:cNvPr id="3" name="备注占位符 2"/>
-          <p:cNvSpPr>
-            <a:spLocks noGrp="1"/>
-          </p:cNvSpPr>
-          <p:nvPr>
-            <p:ph type="body" idx="1"/>
-          </p:nvPr>
-        </p:nvSpPr>
-        <p:spPr/>
-        <p:txBody>
-          <a:bodyPr/>
-          <a:lstStyle/>
-          <a:p>
-            <a:endParaRPr kumimoji="1" lang="zh-CN" altLang="en-US" dirty="0"/>
-          </a:p>
-        </p:txBody>
-      </p:sp>
-      <p:sp>
-        <p:nvSpPr>
-          <p:cNvPr id="4" name="灯片编号占位符 3"/>
-          <p:cNvSpPr>
-            <a:spLocks noGrp="1"/>
-          </p:cNvSpPr>
-          <p:nvPr>
-            <p:ph type="sldNum" sz="quarter" idx="5"/>
-          </p:nvPr>
-        </p:nvSpPr>
-        <p:spPr/>
-        <p:txBody>
-          <a:bodyPr/>
-          <a:lstStyle/>
-          <a:p>
-            <a:fld id="{0F8E57A1-C481-6944-857F-EAC8E932B5ED}" type="slidenum">
-              <a:rPr kumimoji="1" lang="zh-CN" altLang="en-US" smtClean="0"/>
-              <a:t>14</a:t>
-            </a:fld>
-            <a:endParaRPr kumimoji="1" lang="zh-CN" altLang="en-US"/>
-          </a:p>
-        </p:txBody>
-      </p:sp>
-    </p:spTree>
-    <p:extLst>
-      <p:ext uri="{BB962C8B-B14F-4D97-AF65-F5344CB8AC3E}">
-        <p14:creationId xmlns:p14="http://schemas.microsoft.com/office/powerpoint/2010/main" val="1598761612"/>
-      </p:ext>
-    </p:extLst>
-  </p:cSld>
-  <p:clrMapOvr>
-    <a:masterClrMapping/>
-  </p:clrMapOvr>
-</p:notes>
-</file>
-
 <file path=ppt/slideLayouts/slideLayout1.xml><?xml version="1.0" encoding="utf-8"?>
 <p:sldLayout xmlns:a="http://schemas.openxmlformats.org/drawingml/2006/main" xmlns:r="http://schemas.openxmlformats.org/officeDocument/2006/relationships" xmlns:p="http://schemas.openxmlformats.org/presentationml/2006/main" type="title" preserve="1">
   <p:cSld name="标题幻灯片">
@@ -2007,7 +2091,7 @@
           <a:p>
             <a:fld id="{1C49BB65-7B3F-4D4E-A397-BBFD82890A5A}" type="datetimeFigureOut">
               <a:rPr kumimoji="1" lang="zh-CN" altLang="en-US" smtClean="0"/>
-              <a:t>2020/2/9</a:t>
+              <a:t>2020/2/17</a:t>
             </a:fld>
             <a:endParaRPr kumimoji="1" lang="zh-CN" altLang="en-US"/>
           </a:p>
@@ -2205,7 +2289,7 @@
           <a:p>
             <a:fld id="{1C49BB65-7B3F-4D4E-A397-BBFD82890A5A}" type="datetimeFigureOut">
               <a:rPr kumimoji="1" lang="zh-CN" altLang="en-US" smtClean="0"/>
-              <a:t>2020/2/9</a:t>
+              <a:t>2020/2/17</a:t>
             </a:fld>
             <a:endParaRPr kumimoji="1" lang="zh-CN" altLang="en-US"/>
           </a:p>
@@ -2413,7 +2497,7 @@
           <a:p>
             <a:fld id="{1C49BB65-7B3F-4D4E-A397-BBFD82890A5A}" type="datetimeFigureOut">
               <a:rPr kumimoji="1" lang="zh-CN" altLang="en-US" smtClean="0"/>
-              <a:t>2020/2/9</a:t>
+              <a:t>2020/2/17</a:t>
             </a:fld>
             <a:endParaRPr kumimoji="1" lang="zh-CN" altLang="en-US"/>
           </a:p>
@@ -2611,7 +2695,7 @@
           <a:p>
             <a:fld id="{1C49BB65-7B3F-4D4E-A397-BBFD82890A5A}" type="datetimeFigureOut">
               <a:rPr kumimoji="1" lang="zh-CN" altLang="en-US" smtClean="0"/>
-              <a:t>2020/2/9</a:t>
+              <a:t>2020/2/17</a:t>
             </a:fld>
             <a:endParaRPr kumimoji="1" lang="zh-CN" altLang="en-US"/>
           </a:p>
@@ -2886,7 +2970,7 @@
           <a:p>
             <a:fld id="{1C49BB65-7B3F-4D4E-A397-BBFD82890A5A}" type="datetimeFigureOut">
               <a:rPr kumimoji="1" lang="zh-CN" altLang="en-US" smtClean="0"/>
-              <a:t>2020/2/9</a:t>
+              <a:t>2020/2/17</a:t>
             </a:fld>
             <a:endParaRPr kumimoji="1" lang="zh-CN" altLang="en-US"/>
           </a:p>
@@ -3151,7 +3235,7 @@
           <a:p>
             <a:fld id="{1C49BB65-7B3F-4D4E-A397-BBFD82890A5A}" type="datetimeFigureOut">
               <a:rPr kumimoji="1" lang="zh-CN" altLang="en-US" smtClean="0"/>
-              <a:t>2020/2/9</a:t>
+              <a:t>2020/2/17</a:t>
             </a:fld>
             <a:endParaRPr kumimoji="1" lang="zh-CN" altLang="en-US"/>
           </a:p>
@@ -3563,7 +3647,7 @@
           <a:p>
             <a:fld id="{1C49BB65-7B3F-4D4E-A397-BBFD82890A5A}" type="datetimeFigureOut">
               <a:rPr kumimoji="1" lang="zh-CN" altLang="en-US" smtClean="0"/>
-              <a:t>2020/2/9</a:t>
+              <a:t>2020/2/17</a:t>
             </a:fld>
             <a:endParaRPr kumimoji="1" lang="zh-CN" altLang="en-US"/>
           </a:p>
@@ -3704,7 +3788,7 @@
           <a:p>
             <a:fld id="{1C49BB65-7B3F-4D4E-A397-BBFD82890A5A}" type="datetimeFigureOut">
               <a:rPr kumimoji="1" lang="zh-CN" altLang="en-US" smtClean="0"/>
-              <a:t>2020/2/9</a:t>
+              <a:t>2020/2/17</a:t>
             </a:fld>
             <a:endParaRPr kumimoji="1" lang="zh-CN" altLang="en-US"/>
           </a:p>
@@ -4074,7 +4158,7 @@
           <a:p>
             <a:fld id="{1C49BB65-7B3F-4D4E-A397-BBFD82890A5A}" type="datetimeFigureOut">
               <a:rPr kumimoji="1" lang="zh-CN" altLang="en-US" smtClean="0"/>
-              <a:t>2020/2/9</a:t>
+              <a:t>2020/2/17</a:t>
             </a:fld>
             <a:endParaRPr kumimoji="1" lang="zh-CN" altLang="en-US"/>
           </a:p>
@@ -4362,7 +4446,7 @@
           <a:p>
             <a:fld id="{1C49BB65-7B3F-4D4E-A397-BBFD82890A5A}" type="datetimeFigureOut">
               <a:rPr kumimoji="1" lang="zh-CN" altLang="en-US" smtClean="0"/>
-              <a:t>2020/2/9</a:t>
+              <a:t>2020/2/17</a:t>
             </a:fld>
             <a:endParaRPr kumimoji="1" lang="zh-CN" altLang="en-US"/>
           </a:p>
@@ -4603,7 +4687,7 @@
           <a:p>
             <a:fld id="{1C49BB65-7B3F-4D4E-A397-BBFD82890A5A}" type="datetimeFigureOut">
               <a:rPr kumimoji="1" lang="zh-CN" altLang="en-US" smtClean="0"/>
-              <a:t>2020/2/9</a:t>
+              <a:t>2020/2/17</a:t>
             </a:fld>
             <a:endParaRPr kumimoji="1" lang="zh-CN" altLang="en-US"/>
           </a:p>
@@ -12233,7 +12317,7 @@
                 <a:latin typeface="Microsoft YaHei" panose="020B0503020204020204" pitchFamily="34" charset="-122"/>
                 <a:ea typeface="Microsoft YaHei" panose="020B0503020204020204" pitchFamily="34" charset="-122"/>
               </a:rPr>
-              <a:t>这节课讲啥？</a:t>
+              <a:t>考核方式</a:t>
             </a:r>
           </a:p>
         </p:txBody>
@@ -12252,8 +12336,8 @@
         </p:nvSpPr>
         <p:spPr>
           <a:xfrm>
-            <a:off x="3653856" y="2136565"/>
-            <a:ext cx="7443216" cy="4833284"/>
+            <a:off x="1190847" y="2105247"/>
+            <a:ext cx="9739423" cy="5035903"/>
           </a:xfrm>
           <a:prstGeom prst="rect">
             <a:avLst/>
@@ -12266,78 +12350,120 @@
           </a:bodyPr>
           <a:lstStyle/>
           <a:p>
-            <a:pPr marL="571500" indent="-571500">
-              <a:buFont typeface="Wingdings" pitchFamily="2" charset="2"/>
-              <a:buChar char="Ø"/>
-            </a:pPr>
-            <a:r>
-              <a:rPr kumimoji="1" lang="zh-CN" altLang="en-US" sz="2800" dirty="0">
+            <a:r>
+              <a:rPr lang="en-US" altLang="zh-CN" sz="2800" dirty="0">
                 <a:latin typeface="Microsoft YaHei" panose="020B0503020204020204" pitchFamily="34" charset="-122"/>
                 <a:ea typeface="Microsoft YaHei" panose="020B0503020204020204" pitchFamily="34" charset="-122"/>
               </a:rPr>
-              <a:t>为什么要学好数据结构</a:t>
-            </a:r>
-            <a:endParaRPr kumimoji="1" lang="en-US" altLang="zh-CN" sz="2800" dirty="0">
-              <a:latin typeface="Microsoft YaHei" panose="020B0503020204020204" pitchFamily="34" charset="-122"/>
-              <a:ea typeface="Microsoft YaHei" panose="020B0503020204020204" pitchFamily="34" charset="-122"/>
-            </a:endParaRPr>
-          </a:p>
-          <a:p>
-            <a:pPr marL="571500" indent="-571500">
-              <a:lnSpc>
-                <a:spcPct val="150000"/>
-              </a:lnSpc>
-              <a:spcBef>
-                <a:spcPts val="100"/>
-              </a:spcBef>
-              <a:buFont typeface="Wingdings" pitchFamily="2" charset="2"/>
-              <a:buChar char="Ø"/>
-            </a:pPr>
-            <a:r>
-              <a:rPr kumimoji="1" lang="zh-CN" altLang="en-US" sz="2800" dirty="0">
+              <a:t>1.</a:t>
+            </a:r>
+            <a:r>
+              <a:rPr lang="zh-CN" altLang="en-US" sz="2800" dirty="0">
                 <a:latin typeface="Microsoft YaHei" panose="020B0503020204020204" pitchFamily="34" charset="-122"/>
                 <a:ea typeface="Microsoft YaHei" panose="020B0503020204020204" pitchFamily="34" charset="-122"/>
               </a:rPr>
-              <a:t>数据结构的基本概念和术语</a:t>
-            </a:r>
-          </a:p>
-          <a:p>
-            <a:pPr marL="571500" indent="-571500">
-              <a:lnSpc>
-                <a:spcPct val="150000"/>
-              </a:lnSpc>
-              <a:buFont typeface="Wingdings" pitchFamily="2" charset="2"/>
-              <a:buChar char="Ø"/>
-            </a:pPr>
-            <a:r>
-              <a:rPr kumimoji="1" lang="zh-CN" altLang="en-US" sz="2800" dirty="0">
-                <a:ea typeface="Microsoft YaHei" panose="020B0503020204020204" pitchFamily="34" charset="-122"/>
-              </a:rPr>
-              <a:t>逻辑结构与物理结构</a:t>
-            </a:r>
-            <a:endParaRPr kumimoji="1" lang="en-US" altLang="zh-CN" sz="2800" dirty="0">
-              <a:ea typeface="Microsoft YaHei" panose="020B0503020204020204" pitchFamily="34" charset="-122"/>
-            </a:endParaRPr>
-          </a:p>
-          <a:p>
-            <a:pPr marL="571500" indent="-571500">
-              <a:lnSpc>
-                <a:spcPct val="150000"/>
-              </a:lnSpc>
-              <a:buFont typeface="Wingdings" pitchFamily="2" charset="2"/>
-              <a:buChar char="Ø"/>
-            </a:pPr>
-            <a:r>
-              <a:rPr kumimoji="1" lang="zh-CN" altLang="en-US" sz="2800" dirty="0">
+              <a:t>课程考核方式由平时成绩、实验成绩和期末考试成绩三部分组成。其中平时成绩占</a:t>
+            </a:r>
+            <a:r>
+              <a:rPr lang="en-US" altLang="zh-CN" sz="2800" dirty="0">
                 <a:latin typeface="Microsoft YaHei" panose="020B0503020204020204" pitchFamily="34" charset="-122"/>
                 <a:ea typeface="Microsoft YaHei" panose="020B0503020204020204" pitchFamily="34" charset="-122"/>
               </a:rPr>
-              <a:t>抽象数据类型</a:t>
-            </a:r>
-            <a:endParaRPr kumimoji="1" lang="en-US" altLang="zh-CN" sz="2800" dirty="0">
-              <a:latin typeface="Microsoft YaHei" panose="020B0503020204020204" pitchFamily="34" charset="-122"/>
-              <a:ea typeface="Microsoft YaHei" panose="020B0503020204020204" pitchFamily="34" charset="-122"/>
-            </a:endParaRPr>
+              <a:t>20%</a:t>
+            </a:r>
+            <a:r>
+              <a:rPr lang="zh-CN" altLang="en-US" sz="2800" dirty="0">
+                <a:latin typeface="Microsoft YaHei" panose="020B0503020204020204" pitchFamily="34" charset="-122"/>
+                <a:ea typeface="Microsoft YaHei" panose="020B0503020204020204" pitchFamily="34" charset="-122"/>
+              </a:rPr>
+              <a:t>，实验成绩</a:t>
+            </a:r>
+            <a:r>
+              <a:rPr lang="en-US" altLang="zh-CN" sz="2800" dirty="0">
+                <a:latin typeface="Microsoft YaHei" panose="020B0503020204020204" pitchFamily="34" charset="-122"/>
+                <a:ea typeface="Microsoft YaHei" panose="020B0503020204020204" pitchFamily="34" charset="-122"/>
+              </a:rPr>
+              <a:t>30%</a:t>
+            </a:r>
+            <a:r>
+              <a:rPr lang="zh-CN" altLang="en-US" sz="2800" dirty="0">
+                <a:latin typeface="Microsoft YaHei" panose="020B0503020204020204" pitchFamily="34" charset="-122"/>
+                <a:ea typeface="Microsoft YaHei" panose="020B0503020204020204" pitchFamily="34" charset="-122"/>
+              </a:rPr>
+              <a:t>，期末考试占</a:t>
+            </a:r>
+            <a:r>
+              <a:rPr lang="en-US" altLang="zh-CN" sz="2800" dirty="0">
+                <a:latin typeface="Microsoft YaHei" panose="020B0503020204020204" pitchFamily="34" charset="-122"/>
+                <a:ea typeface="Microsoft YaHei" panose="020B0503020204020204" pitchFamily="34" charset="-122"/>
+              </a:rPr>
+              <a:t>50%</a:t>
+            </a:r>
+            <a:r>
+              <a:rPr lang="zh-CN" altLang="en-US" sz="2800" dirty="0">
+                <a:latin typeface="Microsoft YaHei" panose="020B0503020204020204" pitchFamily="34" charset="-122"/>
+                <a:ea typeface="Microsoft YaHei" panose="020B0503020204020204" pitchFamily="34" charset="-122"/>
+              </a:rPr>
+              <a:t>。</a:t>
+            </a:r>
+          </a:p>
+          <a:p>
+            <a:r>
+              <a:rPr lang="en-US" altLang="zh-CN" sz="2800" dirty="0">
+                <a:latin typeface="Microsoft YaHei" panose="020B0503020204020204" pitchFamily="34" charset="-122"/>
+                <a:ea typeface="Microsoft YaHei" panose="020B0503020204020204" pitchFamily="34" charset="-122"/>
+              </a:rPr>
+              <a:t>2</a:t>
+            </a:r>
+            <a:r>
+              <a:rPr lang="zh-CN" altLang="en-US" sz="2800" dirty="0">
+                <a:latin typeface="Microsoft YaHei" panose="020B0503020204020204" pitchFamily="34" charset="-122"/>
+                <a:ea typeface="Microsoft YaHei" panose="020B0503020204020204" pitchFamily="34" charset="-122"/>
+              </a:rPr>
+              <a:t>．期末考试成绩达到</a:t>
+            </a:r>
+            <a:r>
+              <a:rPr lang="en-US" altLang="zh-CN" sz="2800" dirty="0">
+                <a:latin typeface="Microsoft YaHei" panose="020B0503020204020204" pitchFamily="34" charset="-122"/>
+                <a:ea typeface="Microsoft YaHei" panose="020B0503020204020204" pitchFamily="34" charset="-122"/>
+              </a:rPr>
+              <a:t>55</a:t>
+            </a:r>
+            <a:r>
+              <a:rPr lang="zh-CN" altLang="en-US" sz="2800" dirty="0">
+                <a:latin typeface="Microsoft YaHei" panose="020B0503020204020204" pitchFamily="34" charset="-122"/>
+                <a:ea typeface="Microsoft YaHei" panose="020B0503020204020204" pitchFamily="34" charset="-122"/>
+              </a:rPr>
+              <a:t>分及以上，课程总评成绩记为课程最终成绩。终结性考核成绩未达到</a:t>
+            </a:r>
+            <a:r>
+              <a:rPr lang="en-US" altLang="zh-CN" sz="2800" dirty="0">
+                <a:latin typeface="Microsoft YaHei" panose="020B0503020204020204" pitchFamily="34" charset="-122"/>
+                <a:ea typeface="Microsoft YaHei" panose="020B0503020204020204" pitchFamily="34" charset="-122"/>
+              </a:rPr>
+              <a:t>55</a:t>
+            </a:r>
+            <a:r>
+              <a:rPr lang="zh-CN" altLang="en-US" sz="2800" dirty="0">
+                <a:latin typeface="Microsoft YaHei" panose="020B0503020204020204" pitchFamily="34" charset="-122"/>
+                <a:ea typeface="Microsoft YaHei" panose="020B0503020204020204" pitchFamily="34" charset="-122"/>
+              </a:rPr>
+              <a:t>分者，课程总评成绩最高计</a:t>
+            </a:r>
+            <a:r>
+              <a:rPr lang="en-US" altLang="zh-CN" sz="2800" dirty="0">
+                <a:latin typeface="Microsoft YaHei" panose="020B0503020204020204" pitchFamily="34" charset="-122"/>
+                <a:ea typeface="Microsoft YaHei" panose="020B0503020204020204" pitchFamily="34" charset="-122"/>
+              </a:rPr>
+              <a:t>55</a:t>
+            </a:r>
+            <a:r>
+              <a:rPr lang="zh-CN" altLang="en-US" sz="2800" dirty="0">
+                <a:latin typeface="Microsoft YaHei" panose="020B0503020204020204" pitchFamily="34" charset="-122"/>
+                <a:ea typeface="Microsoft YaHei" panose="020B0503020204020204" pitchFamily="34" charset="-122"/>
+              </a:rPr>
+              <a:t>分。</a:t>
+            </a:r>
           </a:p>
           <a:p>
             <a:endParaRPr kumimoji="1" lang="zh-CN" altLang="en-US" sz="2800" dirty="0">
@@ -12401,10 +12527,10 @@
       </p:grpSpPr>
       <p:sp>
         <p:nvSpPr>
-          <p:cNvPr id="3" name="文本框 2">
-            <a:extLst>
-              <a:ext uri="{FF2B5EF4-FFF2-40B4-BE49-F238E27FC236}">
-                <a16:creationId xmlns:a16="http://schemas.microsoft.com/office/drawing/2014/main" id="{62BFC649-BF8E-2841-8EAF-47AFBF9D6671}"/>
+          <p:cNvPr id="2" name="文本框 1">
+            <a:extLst>
+              <a:ext uri="{FF2B5EF4-FFF2-40B4-BE49-F238E27FC236}">
+                <a16:creationId xmlns:a16="http://schemas.microsoft.com/office/drawing/2014/main" id="{12AA8BCC-7B15-4842-80C2-48C079429338}"/>
               </a:ext>
             </a:extLst>
           </p:cNvPr>
@@ -12413,8 +12539,8 @@
         </p:nvSpPr>
         <p:spPr>
           <a:xfrm>
-            <a:off x="2834640" y="676656"/>
-            <a:ext cx="8083296" cy="830997"/>
+            <a:off x="2520000" y="720000"/>
+            <a:ext cx="7735824" cy="830997"/>
           </a:xfrm>
           <a:prstGeom prst="rect">
             <a:avLst/>
@@ -12428,29 +12554,22 @@
           <a:lstStyle/>
           <a:p>
             <a:pPr algn="ctr"/>
-            <a:r>
-              <a:rPr kumimoji="1" lang="en-US" altLang="zh-CN" sz="4800" dirty="0">
-                <a:latin typeface="Microsoft YaHei" panose="020B0503020204020204" pitchFamily="34" charset="-122"/>
-                <a:ea typeface="Microsoft YaHei" panose="020B0503020204020204" pitchFamily="34" charset="-122"/>
-              </a:rPr>
-              <a:t>1.</a:t>
-            </a:r>
             <a:r>
               <a:rPr kumimoji="1" lang="zh-CN" altLang="en-US" sz="4800" dirty="0">
                 <a:latin typeface="Microsoft YaHei" panose="020B0503020204020204" pitchFamily="34" charset="-122"/>
                 <a:ea typeface="Microsoft YaHei" panose="020B0503020204020204" pitchFamily="34" charset="-122"/>
               </a:rPr>
-              <a:t> 为什么要学好数据结构？</a:t>
-            </a:r>
-          </a:p>
-        </p:txBody>
-      </p:sp>
-      <p:sp>
-        <p:nvSpPr>
-          <p:cNvPr id="4" name="文本框 3">
-            <a:extLst>
-              <a:ext uri="{FF2B5EF4-FFF2-40B4-BE49-F238E27FC236}">
-                <a16:creationId xmlns:a16="http://schemas.microsoft.com/office/drawing/2014/main" id="{0B7CBEC2-6522-3240-BC8F-18E4B252FA67}"/>
+              <a:t>这节课讲啥？</a:t>
+            </a:r>
+          </a:p>
+        </p:txBody>
+      </p:sp>
+      <p:sp>
+        <p:nvSpPr>
+          <p:cNvPr id="8" name="文本框 7">
+            <a:extLst>
+              <a:ext uri="{FF2B5EF4-FFF2-40B4-BE49-F238E27FC236}">
+                <a16:creationId xmlns:a16="http://schemas.microsoft.com/office/drawing/2014/main" id="{B294230C-E86E-7247-BAC6-5F43DED3D0AF}"/>
               </a:ext>
             </a:extLst>
           </p:cNvPr>
@@ -12459,8 +12578,8 @@
         </p:nvSpPr>
         <p:spPr>
           <a:xfrm>
-            <a:off x="4070604" y="3759070"/>
-            <a:ext cx="6609588" cy="523220"/>
+            <a:off x="3653856" y="2136565"/>
+            <a:ext cx="7443216" cy="4833284"/>
           </a:xfrm>
           <a:prstGeom prst="rect">
             <a:avLst/>
@@ -12468,216 +12587,109 @@
           <a:noFill/>
         </p:spPr>
         <p:txBody>
-          <a:bodyPr wrap="square" rtlCol="0">
+          <a:bodyPr wrap="square" tIns="360000" bIns="360000" rtlCol="0">
             <a:spAutoFit/>
           </a:bodyPr>
           <a:lstStyle/>
           <a:p>
+            <a:pPr marL="571500" indent="-571500">
+              <a:buFont typeface="Wingdings" pitchFamily="2" charset="2"/>
+              <a:buChar char="Ø"/>
+            </a:pPr>
             <a:r>
               <a:rPr kumimoji="1" lang="zh-CN" altLang="en-US" sz="2800" dirty="0">
                 <a:latin typeface="Microsoft YaHei" panose="020B0503020204020204" pitchFamily="34" charset="-122"/>
                 <a:ea typeface="Microsoft YaHei" panose="020B0503020204020204" pitchFamily="34" charset="-122"/>
               </a:rPr>
-              <a:t>找工作面试题涉及最多的课程之一</a:t>
-            </a:r>
-          </a:p>
-        </p:txBody>
-      </p:sp>
-      <p:sp>
-        <p:nvSpPr>
-          <p:cNvPr id="5" name="文本框 4">
-            <a:extLst>
-              <a:ext uri="{FF2B5EF4-FFF2-40B4-BE49-F238E27FC236}">
-                <a16:creationId xmlns:a16="http://schemas.microsoft.com/office/drawing/2014/main" id="{70A8FD9E-655D-F742-ACDB-18BF84BE05B3}"/>
-              </a:ext>
-            </a:extLst>
-          </p:cNvPr>
-          <p:cNvSpPr txBox="1"/>
-          <p:nvPr/>
-        </p:nvSpPr>
-        <p:spPr>
-          <a:xfrm>
-            <a:off x="4070604" y="4974336"/>
-            <a:ext cx="5713476" cy="523220"/>
-          </a:xfrm>
-          <a:prstGeom prst="rect">
-            <a:avLst/>
-          </a:prstGeom>
-          <a:noFill/>
-        </p:spPr>
-        <p:txBody>
-          <a:bodyPr wrap="square" rtlCol="0">
-            <a:spAutoFit/>
-          </a:bodyPr>
-          <a:lstStyle/>
-          <a:p>
+              <a:t>为什么要学好数据结构</a:t>
+            </a:r>
+            <a:endParaRPr kumimoji="1" lang="en-US" altLang="zh-CN" sz="2800" dirty="0">
+              <a:latin typeface="Microsoft YaHei" panose="020B0503020204020204" pitchFamily="34" charset="-122"/>
+              <a:ea typeface="Microsoft YaHei" panose="020B0503020204020204" pitchFamily="34" charset="-122"/>
+            </a:endParaRPr>
+          </a:p>
+          <a:p>
+            <a:pPr marL="571500" indent="-571500">
+              <a:lnSpc>
+                <a:spcPct val="150000"/>
+              </a:lnSpc>
+              <a:spcBef>
+                <a:spcPts val="100"/>
+              </a:spcBef>
+              <a:buFont typeface="Wingdings" pitchFamily="2" charset="2"/>
+              <a:buChar char="Ø"/>
+            </a:pPr>
             <a:r>
               <a:rPr kumimoji="1" lang="zh-CN" altLang="en-US" sz="2800" dirty="0">
                 <a:latin typeface="Microsoft YaHei" panose="020B0503020204020204" pitchFamily="34" charset="-122"/>
                 <a:ea typeface="Microsoft YaHei" panose="020B0503020204020204" pitchFamily="34" charset="-122"/>
               </a:rPr>
-              <a:t>考研计算机专业笔试必考</a:t>
-            </a:r>
-          </a:p>
-        </p:txBody>
-      </p:sp>
-      <p:sp>
-        <p:nvSpPr>
-          <p:cNvPr id="8" name="文本框 7">
-            <a:extLst>
-              <a:ext uri="{FF2B5EF4-FFF2-40B4-BE49-F238E27FC236}">
-                <a16:creationId xmlns:a16="http://schemas.microsoft.com/office/drawing/2014/main" id="{75D7D6ED-43A8-DC4B-84B6-AB03F6270117}"/>
-              </a:ext>
-            </a:extLst>
-          </p:cNvPr>
-          <p:cNvSpPr txBox="1"/>
-          <p:nvPr/>
-        </p:nvSpPr>
-        <p:spPr>
-          <a:xfrm>
-            <a:off x="4070604" y="2487168"/>
-            <a:ext cx="6609588" cy="523220"/>
-          </a:xfrm>
-          <a:prstGeom prst="rect">
-            <a:avLst/>
-          </a:prstGeom>
-          <a:noFill/>
-        </p:spPr>
-        <p:txBody>
-          <a:bodyPr wrap="square" rtlCol="0">
-            <a:spAutoFit/>
-          </a:bodyPr>
-          <a:lstStyle/>
-          <a:p>
+              <a:t>数据结构的基本概念和术语</a:t>
+            </a:r>
+          </a:p>
+          <a:p>
+            <a:pPr marL="571500" indent="-571500">
+              <a:lnSpc>
+                <a:spcPct val="150000"/>
+              </a:lnSpc>
+              <a:buFont typeface="Wingdings" pitchFamily="2" charset="2"/>
+              <a:buChar char="Ø"/>
+            </a:pPr>
+            <a:r>
+              <a:rPr kumimoji="1" lang="zh-CN" altLang="en-US" sz="2800" dirty="0">
+                <a:ea typeface="Microsoft YaHei" panose="020B0503020204020204" pitchFamily="34" charset="-122"/>
+              </a:rPr>
+              <a:t>逻辑结构与物理结构</a:t>
+            </a:r>
+            <a:endParaRPr kumimoji="1" lang="en-US" altLang="zh-CN" sz="2800" dirty="0">
+              <a:ea typeface="Microsoft YaHei" panose="020B0503020204020204" pitchFamily="34" charset="-122"/>
+            </a:endParaRPr>
+          </a:p>
+          <a:p>
+            <a:pPr marL="571500" indent="-571500">
+              <a:lnSpc>
+                <a:spcPct val="150000"/>
+              </a:lnSpc>
+              <a:buFont typeface="Wingdings" pitchFamily="2" charset="2"/>
+              <a:buChar char="Ø"/>
+            </a:pPr>
             <a:r>
               <a:rPr kumimoji="1" lang="zh-CN" altLang="en-US" sz="2800" dirty="0">
                 <a:latin typeface="Microsoft YaHei" panose="020B0503020204020204" pitchFamily="34" charset="-122"/>
                 <a:ea typeface="Microsoft YaHei" panose="020B0503020204020204" pitchFamily="34" charset="-122"/>
               </a:rPr>
-              <a:t>所有编程语言，都需要数据</a:t>
-            </a:r>
-            <a:r>
-              <a:rPr kumimoji="1" lang="zh-CN" altLang="en-US" sz="2800" dirty="0">
-                <a:latin typeface="微软雅黑" panose="020B0503020204020204" pitchFamily="34" charset="-122"/>
-                <a:ea typeface="Microsoft YaHei" panose="020B0503020204020204" pitchFamily="34" charset="-122"/>
-              </a:rPr>
-              <a:t>结构</a:t>
-            </a:r>
-          </a:p>
-        </p:txBody>
-      </p:sp>
-      <p:pic>
-        <p:nvPicPr>
-          <p:cNvPr id="20" name="图形 19" descr="程序员">
-            <a:extLst>
-              <a:ext uri="{FF2B5EF4-FFF2-40B4-BE49-F238E27FC236}">
-                <a16:creationId xmlns:a16="http://schemas.microsoft.com/office/drawing/2014/main" id="{7CE67446-4AFD-E246-A3E8-B036D5B5A9BF}"/>
-              </a:ext>
-            </a:extLst>
-          </p:cNvPr>
-          <p:cNvPicPr>
-            <a:picLocks noChangeAspect="1"/>
-          </p:cNvPicPr>
-          <p:nvPr/>
-        </p:nvPicPr>
-        <p:blipFill>
-          <a:blip r:embed="rId3">
-            <a:extLst>
-              <a:ext uri="{96DAC541-7B7A-43D3-8B79-37D633B846F1}">
-                <asvg:svgBlip xmlns:asvg="http://schemas.microsoft.com/office/drawing/2016/SVG/main" r:embed="rId4"/>
-              </a:ext>
-            </a:extLst>
-          </a:blip>
-          <a:stretch>
-            <a:fillRect/>
-          </a:stretch>
-        </p:blipFill>
-        <p:spPr>
-          <a:xfrm>
-            <a:off x="2874264" y="2358230"/>
-            <a:ext cx="760766" cy="760766"/>
-          </a:xfrm>
-          <a:prstGeom prst="rect">
-            <a:avLst/>
-          </a:prstGeom>
-        </p:spPr>
-      </p:pic>
-      <p:pic>
-        <p:nvPicPr>
-          <p:cNvPr id="22" name="图形 21" descr="程序员">
-            <a:extLst>
-              <a:ext uri="{FF2B5EF4-FFF2-40B4-BE49-F238E27FC236}">
-                <a16:creationId xmlns:a16="http://schemas.microsoft.com/office/drawing/2014/main" id="{3A3197C3-8271-014B-8E69-EFD15F75AA97}"/>
-              </a:ext>
-            </a:extLst>
-          </p:cNvPr>
-          <p:cNvPicPr>
-            <a:picLocks noChangeAspect="1"/>
-          </p:cNvPicPr>
-          <p:nvPr/>
-        </p:nvPicPr>
-        <p:blipFill>
-          <a:blip r:embed="rId3">
-            <a:extLst>
-              <a:ext uri="{96DAC541-7B7A-43D3-8B79-37D633B846F1}">
-                <asvg:svgBlip xmlns:asvg="http://schemas.microsoft.com/office/drawing/2016/SVG/main" r:embed="rId4"/>
-              </a:ext>
-            </a:extLst>
-          </a:blip>
-          <a:stretch>
-            <a:fillRect/>
-          </a:stretch>
-        </p:blipFill>
-        <p:spPr>
-          <a:xfrm>
-            <a:off x="2874264" y="3591296"/>
-            <a:ext cx="760766" cy="760766"/>
-          </a:xfrm>
-          <a:prstGeom prst="rect">
-            <a:avLst/>
-          </a:prstGeom>
-        </p:spPr>
-      </p:pic>
-      <p:pic>
-        <p:nvPicPr>
-          <p:cNvPr id="23" name="图形 22" descr="程序员">
-            <a:extLst>
-              <a:ext uri="{FF2B5EF4-FFF2-40B4-BE49-F238E27FC236}">
-                <a16:creationId xmlns:a16="http://schemas.microsoft.com/office/drawing/2014/main" id="{83E6CB48-F36C-C947-BB24-D8A91C6CFB96}"/>
-              </a:ext>
-            </a:extLst>
-          </p:cNvPr>
-          <p:cNvPicPr>
-            <a:picLocks noChangeAspect="1"/>
-          </p:cNvPicPr>
-          <p:nvPr/>
-        </p:nvPicPr>
-        <p:blipFill>
-          <a:blip r:embed="rId3">
-            <a:extLst>
-              <a:ext uri="{96DAC541-7B7A-43D3-8B79-37D633B846F1}">
-                <asvg:svgBlip xmlns:asvg="http://schemas.microsoft.com/office/drawing/2016/SVG/main" r:embed="rId4"/>
-              </a:ext>
-            </a:extLst>
-          </a:blip>
-          <a:stretch>
-            <a:fillRect/>
-          </a:stretch>
-        </p:blipFill>
-        <p:spPr>
-          <a:xfrm>
-            <a:off x="2874264" y="4801787"/>
-            <a:ext cx="760766" cy="760766"/>
-          </a:xfrm>
-          <a:prstGeom prst="rect">
-            <a:avLst/>
-          </a:prstGeom>
-        </p:spPr>
-      </p:pic>
+              <a:t>抽象数据类型</a:t>
+            </a:r>
+            <a:endParaRPr kumimoji="1" lang="en-US" altLang="zh-CN" sz="2800" dirty="0">
+              <a:latin typeface="Microsoft YaHei" panose="020B0503020204020204" pitchFamily="34" charset="-122"/>
+              <a:ea typeface="Microsoft YaHei" panose="020B0503020204020204" pitchFamily="34" charset="-122"/>
+            </a:endParaRPr>
+          </a:p>
+          <a:p>
+            <a:endParaRPr kumimoji="1" lang="zh-CN" altLang="en-US" sz="2800" dirty="0">
+              <a:latin typeface="Microsoft YaHei" panose="020B0503020204020204" pitchFamily="34" charset="-122"/>
+              <a:ea typeface="Microsoft YaHei" panose="020B0503020204020204" pitchFamily="34" charset="-122"/>
+            </a:endParaRPr>
+          </a:p>
+          <a:p>
+            <a:endParaRPr kumimoji="1" lang="zh-CN" altLang="en-US" sz="2800" dirty="0"/>
+          </a:p>
+          <a:p>
+            <a:endParaRPr kumimoji="1" lang="en-US" altLang="zh-CN" sz="2800" dirty="0"/>
+          </a:p>
+          <a:p>
+            <a:r>
+              <a:rPr kumimoji="1" lang="en-US" altLang="zh-CN" sz="2800" dirty="0"/>
+              <a:t>	</a:t>
+            </a:r>
+            <a:endParaRPr kumimoji="1" lang="zh-CN" altLang="en-US" sz="2800" dirty="0"/>
+          </a:p>
+        </p:txBody>
+      </p:sp>
     </p:spTree>
     <p:extLst>
       <p:ext uri="{BB962C8B-B14F-4D97-AF65-F5344CB8AC3E}">
-        <p14:creationId xmlns:p14="http://schemas.microsoft.com/office/powerpoint/2010/main" val="935474760"/>
+        <p14:creationId xmlns:p14="http://schemas.microsoft.com/office/powerpoint/2010/main" val="1370990331"/>
       </p:ext>
     </p:extLst>
   </p:cSld>
@@ -12715,10 +12727,10 @@
       </p:grpSpPr>
       <p:sp>
         <p:nvSpPr>
-          <p:cNvPr id="8" name="文本框 7">
-            <a:extLst>
-              <a:ext uri="{FF2B5EF4-FFF2-40B4-BE49-F238E27FC236}">
-                <a16:creationId xmlns:a16="http://schemas.microsoft.com/office/drawing/2014/main" id="{75D7D6ED-43A8-DC4B-84B6-AB03F6270117}"/>
+          <p:cNvPr id="3" name="文本框 2">
+            <a:extLst>
+              <a:ext uri="{FF2B5EF4-FFF2-40B4-BE49-F238E27FC236}">
+                <a16:creationId xmlns:a16="http://schemas.microsoft.com/office/drawing/2014/main" id="{62BFC649-BF8E-2841-8EAF-47AFBF9D6671}"/>
               </a:ext>
             </a:extLst>
           </p:cNvPr>
@@ -12727,8 +12739,8 @@
         </p:nvSpPr>
         <p:spPr>
           <a:xfrm>
-            <a:off x="1062230" y="3405618"/>
-            <a:ext cx="4718304" cy="646331"/>
+            <a:off x="2834640" y="676656"/>
+            <a:ext cx="8083296" cy="830997"/>
           </a:xfrm>
           <a:prstGeom prst="rect">
             <a:avLst/>
@@ -12741,22 +12753,151 @@
           </a:bodyPr>
           <a:lstStyle/>
           <a:p>
-            <a:endParaRPr kumimoji="1" lang="zh-CN" altLang="en-US" sz="3600" dirty="0">
-              <a:solidFill>
-                <a:schemeClr val="bg1"/>
-              </a:solidFill>
-              <a:latin typeface="微软雅黑" panose="020B0503020204020204" pitchFamily="34" charset="-122"/>
-              <a:ea typeface="Microsoft YaHei" panose="020B0503020204020204" pitchFamily="34" charset="-122"/>
-            </a:endParaRPr>
+            <a:pPr algn="ctr"/>
+            <a:r>
+              <a:rPr kumimoji="1" lang="en-US" altLang="zh-CN" sz="4800" dirty="0">
+                <a:latin typeface="Microsoft YaHei" panose="020B0503020204020204" pitchFamily="34" charset="-122"/>
+                <a:ea typeface="Microsoft YaHei" panose="020B0503020204020204" pitchFamily="34" charset="-122"/>
+              </a:rPr>
+              <a:t>1.</a:t>
+            </a:r>
+            <a:r>
+              <a:rPr kumimoji="1" lang="zh-CN" altLang="en-US" sz="4800" dirty="0">
+                <a:latin typeface="Microsoft YaHei" panose="020B0503020204020204" pitchFamily="34" charset="-122"/>
+                <a:ea typeface="Microsoft YaHei" panose="020B0503020204020204" pitchFamily="34" charset="-122"/>
+              </a:rPr>
+              <a:t> 为什么要学好数据结构？</a:t>
+            </a:r>
+          </a:p>
+        </p:txBody>
+      </p:sp>
+      <p:sp>
+        <p:nvSpPr>
+          <p:cNvPr id="4" name="文本框 3">
+            <a:extLst>
+              <a:ext uri="{FF2B5EF4-FFF2-40B4-BE49-F238E27FC236}">
+                <a16:creationId xmlns:a16="http://schemas.microsoft.com/office/drawing/2014/main" id="{0B7CBEC2-6522-3240-BC8F-18E4B252FA67}"/>
+              </a:ext>
+            </a:extLst>
+          </p:cNvPr>
+          <p:cNvSpPr txBox="1"/>
+          <p:nvPr/>
+        </p:nvSpPr>
+        <p:spPr>
+          <a:xfrm>
+            <a:off x="4070604" y="3759070"/>
+            <a:ext cx="6609588" cy="523220"/>
+          </a:xfrm>
+          <a:prstGeom prst="rect">
+            <a:avLst/>
+          </a:prstGeom>
+          <a:noFill/>
+        </p:spPr>
+        <p:txBody>
+          <a:bodyPr wrap="square" rtlCol="0">
+            <a:spAutoFit/>
+          </a:bodyPr>
+          <a:lstStyle/>
+          <a:p>
+            <a:r>
+              <a:rPr kumimoji="1" lang="zh-CN" altLang="en-US" sz="2800" dirty="0">
+                <a:latin typeface="Microsoft YaHei" panose="020B0503020204020204" pitchFamily="34" charset="-122"/>
+                <a:ea typeface="Microsoft YaHei" panose="020B0503020204020204" pitchFamily="34" charset="-122"/>
+              </a:rPr>
+              <a:t>找工作面试题涉及最多的课程之一</a:t>
+            </a:r>
+          </a:p>
+        </p:txBody>
+      </p:sp>
+      <p:sp>
+        <p:nvSpPr>
+          <p:cNvPr id="5" name="文本框 4">
+            <a:extLst>
+              <a:ext uri="{FF2B5EF4-FFF2-40B4-BE49-F238E27FC236}">
+                <a16:creationId xmlns:a16="http://schemas.microsoft.com/office/drawing/2014/main" id="{70A8FD9E-655D-F742-ACDB-18BF84BE05B3}"/>
+              </a:ext>
+            </a:extLst>
+          </p:cNvPr>
+          <p:cNvSpPr txBox="1"/>
+          <p:nvPr/>
+        </p:nvSpPr>
+        <p:spPr>
+          <a:xfrm>
+            <a:off x="4070604" y="4974336"/>
+            <a:ext cx="5713476" cy="523220"/>
+          </a:xfrm>
+          <a:prstGeom prst="rect">
+            <a:avLst/>
+          </a:prstGeom>
+          <a:noFill/>
+        </p:spPr>
+        <p:txBody>
+          <a:bodyPr wrap="square" rtlCol="0">
+            <a:spAutoFit/>
+          </a:bodyPr>
+          <a:lstStyle/>
+          <a:p>
+            <a:r>
+              <a:rPr kumimoji="1" lang="zh-CN" altLang="en-US" sz="2800" dirty="0">
+                <a:latin typeface="Microsoft YaHei" panose="020B0503020204020204" pitchFamily="34" charset="-122"/>
+                <a:ea typeface="Microsoft YaHei" panose="020B0503020204020204" pitchFamily="34" charset="-122"/>
+              </a:rPr>
+              <a:t>考研计算机专业笔试必考</a:t>
+            </a:r>
+          </a:p>
+        </p:txBody>
+      </p:sp>
+      <p:sp>
+        <p:nvSpPr>
+          <p:cNvPr id="8" name="文本框 7">
+            <a:extLst>
+              <a:ext uri="{FF2B5EF4-FFF2-40B4-BE49-F238E27FC236}">
+                <a16:creationId xmlns:a16="http://schemas.microsoft.com/office/drawing/2014/main" id="{75D7D6ED-43A8-DC4B-84B6-AB03F6270117}"/>
+              </a:ext>
+            </a:extLst>
+          </p:cNvPr>
+          <p:cNvSpPr txBox="1"/>
+          <p:nvPr/>
+        </p:nvSpPr>
+        <p:spPr>
+          <a:xfrm>
+            <a:off x="4070604" y="2487168"/>
+            <a:ext cx="6609588" cy="523220"/>
+          </a:xfrm>
+          <a:prstGeom prst="rect">
+            <a:avLst/>
+          </a:prstGeom>
+          <a:noFill/>
+        </p:spPr>
+        <p:txBody>
+          <a:bodyPr wrap="square" rtlCol="0">
+            <a:spAutoFit/>
+          </a:bodyPr>
+          <a:lstStyle/>
+          <a:p>
+            <a:r>
+              <a:rPr kumimoji="1" lang="zh-CN" altLang="en-US" sz="2800" dirty="0">
+                <a:latin typeface="Microsoft YaHei" panose="020B0503020204020204" pitchFamily="34" charset="-122"/>
+                <a:ea typeface="Microsoft YaHei" panose="020B0503020204020204" pitchFamily="34" charset="-122"/>
+              </a:rPr>
+              <a:t>所有编程语言，都需要数据</a:t>
+            </a:r>
+            <a:r>
+              <a:rPr kumimoji="1" lang="zh-CN" altLang="en-US" sz="2800" dirty="0">
+                <a:latin typeface="微软雅黑" panose="020B0503020204020204" pitchFamily="34" charset="-122"/>
+                <a:ea typeface="Microsoft YaHei" panose="020B0503020204020204" pitchFamily="34" charset="-122"/>
+              </a:rPr>
+              <a:t>结构</a:t>
+            </a:r>
           </a:p>
         </p:txBody>
       </p:sp>
       <p:pic>
         <p:nvPicPr>
-          <p:cNvPr id="26" name="图片 25">
-            <a:extLst>
-              <a:ext uri="{FF2B5EF4-FFF2-40B4-BE49-F238E27FC236}">
-                <a16:creationId xmlns:a16="http://schemas.microsoft.com/office/drawing/2014/main" id="{E8407CAD-F2B2-DF46-A66A-1BCD3014F8D5}"/>
+          <p:cNvPr id="20" name="图形 19" descr="程序员">
+            <a:extLst>
+              <a:ext uri="{FF2B5EF4-FFF2-40B4-BE49-F238E27FC236}">
+                <a16:creationId xmlns:a16="http://schemas.microsoft.com/office/drawing/2014/main" id="{7CE67446-4AFD-E246-A3E8-B036D5B5A9BF}"/>
               </a:ext>
             </a:extLst>
           </p:cNvPr>
@@ -12766,40 +12907,10 @@
           <p:nvPr/>
         </p:nvPicPr>
         <p:blipFill>
-          <a:blip r:embed="rId3"/>
-          <a:stretch>
-            <a:fillRect/>
-          </a:stretch>
-        </p:blipFill>
-        <p:spPr>
-          <a:xfrm>
-            <a:off x="6096001" y="1945171"/>
-            <a:ext cx="6009192" cy="3340061"/>
-          </a:xfrm>
-          <a:prstGeom prst="rect">
-            <a:avLst/>
-          </a:prstGeom>
-        </p:spPr>
-      </p:pic>
-      <p:pic>
-        <p:nvPicPr>
-          <p:cNvPr id="6" name="图形 5" descr="指向右边的反手食指">
-            <a:extLst>
-              <a:ext uri="{FF2B5EF4-FFF2-40B4-BE49-F238E27FC236}">
-                <a16:creationId xmlns:a16="http://schemas.microsoft.com/office/drawing/2014/main" id="{210154C2-D6BF-9C40-9D52-D6661602CC6E}"/>
-              </a:ext>
-            </a:extLst>
-          </p:cNvPr>
-          <p:cNvPicPr>
-            <a:picLocks noChangeAspect="1"/>
-          </p:cNvPicPr>
-          <p:nvPr/>
-        </p:nvPicPr>
-        <p:blipFill>
-          <a:blip r:embed="rId4">
+          <a:blip r:embed="rId3">
             <a:extLst>
               <a:ext uri="{96DAC541-7B7A-43D3-8B79-37D633B846F1}">
-                <asvg:svgBlip xmlns:asvg="http://schemas.microsoft.com/office/drawing/2016/SVG/main" r:embed="rId5"/>
+                <asvg:svgBlip xmlns:asvg="http://schemas.microsoft.com/office/drawing/2016/SVG/main" r:embed="rId4"/>
               </a:ext>
             </a:extLst>
           </a:blip>
@@ -12809,285 +12920,96 @@
         </p:blipFill>
         <p:spPr>
           <a:xfrm>
-            <a:off x="4681728" y="3177055"/>
-            <a:ext cx="914400" cy="914400"/>
+            <a:off x="2874264" y="2358230"/>
+            <a:ext cx="760766" cy="760766"/>
           </a:xfrm>
           <a:prstGeom prst="rect">
             <a:avLst/>
           </a:prstGeom>
         </p:spPr>
       </p:pic>
-      <p:sp>
-        <p:nvSpPr>
-          <p:cNvPr id="7" name="文本框 6">
-            <a:extLst>
-              <a:ext uri="{FF2B5EF4-FFF2-40B4-BE49-F238E27FC236}">
-                <a16:creationId xmlns:a16="http://schemas.microsoft.com/office/drawing/2014/main" id="{D7995B31-82C8-C642-A774-9385BFAA8FE6}"/>
-              </a:ext>
-            </a:extLst>
-          </p:cNvPr>
-          <p:cNvSpPr txBox="1"/>
-          <p:nvPr/>
-        </p:nvSpPr>
-        <p:spPr>
-          <a:xfrm>
-            <a:off x="555501" y="3280312"/>
-            <a:ext cx="4533898" cy="707886"/>
+      <p:pic>
+        <p:nvPicPr>
+          <p:cNvPr id="22" name="图形 21" descr="程序员">
+            <a:extLst>
+              <a:ext uri="{FF2B5EF4-FFF2-40B4-BE49-F238E27FC236}">
+                <a16:creationId xmlns:a16="http://schemas.microsoft.com/office/drawing/2014/main" id="{3A3197C3-8271-014B-8E69-EFD15F75AA97}"/>
+              </a:ext>
+            </a:extLst>
+          </p:cNvPr>
+          <p:cNvPicPr>
+            <a:picLocks noChangeAspect="1"/>
+          </p:cNvPicPr>
+          <p:nvPr/>
+        </p:nvPicPr>
+        <p:blipFill>
+          <a:blip r:embed="rId3">
+            <a:extLst>
+              <a:ext uri="{96DAC541-7B7A-43D3-8B79-37D633B846F1}">
+                <asvg:svgBlip xmlns:asvg="http://schemas.microsoft.com/office/drawing/2016/SVG/main" r:embed="rId4"/>
+              </a:ext>
+            </a:extLst>
+          </a:blip>
+          <a:stretch>
+            <a:fillRect/>
+          </a:stretch>
+        </p:blipFill>
+        <p:spPr>
+          <a:xfrm>
+            <a:off x="2874264" y="3591296"/>
+            <a:ext cx="760766" cy="760766"/>
           </a:xfrm>
           <a:prstGeom prst="rect">
             <a:avLst/>
           </a:prstGeom>
-          <a:noFill/>
-        </p:spPr>
-        <p:txBody>
-          <a:bodyPr wrap="square" rtlCol="0">
-            <a:spAutoFit/>
-          </a:bodyPr>
-          <a:lstStyle/>
-          <a:p>
-            <a:r>
-              <a:rPr kumimoji="1" lang="zh-CN" altLang="en-US" sz="4000" dirty="0">
-                <a:latin typeface="Microsoft YaHei" panose="020B0503020204020204" pitchFamily="34" charset="-122"/>
-                <a:ea typeface="Microsoft YaHei" panose="020B0503020204020204" pitchFamily="34" charset="-122"/>
-              </a:rPr>
-              <a:t>最重要的是你能</a:t>
-            </a:r>
-          </a:p>
-        </p:txBody>
-      </p:sp>
+        </p:spPr>
+      </p:pic>
+      <p:pic>
+        <p:nvPicPr>
+          <p:cNvPr id="23" name="图形 22" descr="程序员">
+            <a:extLst>
+              <a:ext uri="{FF2B5EF4-FFF2-40B4-BE49-F238E27FC236}">
+                <a16:creationId xmlns:a16="http://schemas.microsoft.com/office/drawing/2014/main" id="{83E6CB48-F36C-C947-BB24-D8A91C6CFB96}"/>
+              </a:ext>
+            </a:extLst>
+          </p:cNvPr>
+          <p:cNvPicPr>
+            <a:picLocks noChangeAspect="1"/>
+          </p:cNvPicPr>
+          <p:nvPr/>
+        </p:nvPicPr>
+        <p:blipFill>
+          <a:blip r:embed="rId3">
+            <a:extLst>
+              <a:ext uri="{96DAC541-7B7A-43D3-8B79-37D633B846F1}">
+                <asvg:svgBlip xmlns:asvg="http://schemas.microsoft.com/office/drawing/2016/SVG/main" r:embed="rId4"/>
+              </a:ext>
+            </a:extLst>
+          </a:blip>
+          <a:stretch>
+            <a:fillRect/>
+          </a:stretch>
+        </p:blipFill>
+        <p:spPr>
+          <a:xfrm>
+            <a:off x="2874264" y="4801787"/>
+            <a:ext cx="760766" cy="760766"/>
+          </a:xfrm>
+          <a:prstGeom prst="rect">
+            <a:avLst/>
+          </a:prstGeom>
+        </p:spPr>
+      </p:pic>
     </p:spTree>
     <p:extLst>
       <p:ext uri="{BB962C8B-B14F-4D97-AF65-F5344CB8AC3E}">
-        <p14:creationId xmlns:p14="http://schemas.microsoft.com/office/powerpoint/2010/main" val="3068775327"/>
+        <p14:creationId xmlns:p14="http://schemas.microsoft.com/office/powerpoint/2010/main" val="935474760"/>
       </p:ext>
     </p:extLst>
   </p:cSld>
   <p:clrMapOvr>
     <a:masterClrMapping/>
   </p:clrMapOvr>
-  <p:timing>
-    <p:tnLst>
-      <p:par>
-        <p:cTn id="1" dur="indefinite" restart="never" nodeType="tmRoot">
-          <p:childTnLst>
-            <p:seq concurrent="1" nextAc="seek">
-              <p:cTn id="2" dur="indefinite" nodeType="mainSeq">
-                <p:childTnLst>
-                  <p:par>
-                    <p:cTn id="3" fill="hold">
-                      <p:stCondLst>
-                        <p:cond delay="indefinite"/>
-                        <p:cond evt="onBegin" delay="0">
-                          <p:tn val="2"/>
-                        </p:cond>
-                      </p:stCondLst>
-                      <p:childTnLst>
-                        <p:par>
-                          <p:cTn id="4" fill="hold">
-                            <p:stCondLst>
-                              <p:cond delay="0"/>
-                            </p:stCondLst>
-                            <p:childTnLst>
-                              <p:par>
-                                <p:cTn id="5" presetID="12" presetClass="entr" presetSubtype="4" fill="hold" grpId="0" nodeType="withEffect">
-                                  <p:stCondLst>
-                                    <p:cond delay="0"/>
-                                  </p:stCondLst>
-                                  <p:childTnLst>
-                                    <p:set>
-                                      <p:cBhvr>
-                                        <p:cTn id="6" dur="1" fill="hold">
-                                          <p:stCondLst>
-                                            <p:cond delay="0"/>
-                                          </p:stCondLst>
-                                        </p:cTn>
-                                        <p:tgtEl>
-                                          <p:spTgt spid="7"/>
-                                        </p:tgtEl>
-                                        <p:attrNameLst>
-                                          <p:attrName>style.visibility</p:attrName>
-                                        </p:attrNameLst>
-                                      </p:cBhvr>
-                                      <p:to>
-                                        <p:strVal val="visible"/>
-                                      </p:to>
-                                    </p:set>
-                                    <p:anim calcmode="lin" valueType="num">
-                                      <p:cBhvr additive="base">
-                                        <p:cTn id="7" dur="500"/>
-                                        <p:tgtEl>
-                                          <p:spTgt spid="7"/>
-                                        </p:tgtEl>
-                                        <p:attrNameLst>
-                                          <p:attrName>ppt_y</p:attrName>
-                                        </p:attrNameLst>
-                                      </p:cBhvr>
-                                      <p:tavLst>
-                                        <p:tav tm="0">
-                                          <p:val>
-                                            <p:strVal val="#ppt_y+#ppt_h*1.125000"/>
-                                          </p:val>
-                                        </p:tav>
-                                        <p:tav tm="100000">
-                                          <p:val>
-                                            <p:strVal val="#ppt_y"/>
-                                          </p:val>
-                                        </p:tav>
-                                      </p:tavLst>
-                                    </p:anim>
-                                    <p:animEffect transition="in" filter="wipe(up)">
-                                      <p:cBhvr>
-                                        <p:cTn id="8" dur="500"/>
-                                        <p:tgtEl>
-                                          <p:spTgt spid="7"/>
-                                        </p:tgtEl>
-                                      </p:cBhvr>
-                                    </p:animEffect>
-                                  </p:childTnLst>
-                                </p:cTn>
-                              </p:par>
-                              <p:par>
-                                <p:cTn id="9" presetID="12" presetClass="entr" presetSubtype="4" fill="hold" nodeType="withEffect">
-                                  <p:stCondLst>
-                                    <p:cond delay="0"/>
-                                  </p:stCondLst>
-                                  <p:childTnLst>
-                                    <p:set>
-                                      <p:cBhvr>
-                                        <p:cTn id="10" dur="1" fill="hold">
-                                          <p:stCondLst>
-                                            <p:cond delay="0"/>
-                                          </p:stCondLst>
-                                        </p:cTn>
-                                        <p:tgtEl>
-                                          <p:spTgt spid="6"/>
-                                        </p:tgtEl>
-                                        <p:attrNameLst>
-                                          <p:attrName>style.visibility</p:attrName>
-                                        </p:attrNameLst>
-                                      </p:cBhvr>
-                                      <p:to>
-                                        <p:strVal val="visible"/>
-                                      </p:to>
-                                    </p:set>
-                                    <p:anim calcmode="lin" valueType="num">
-                                      <p:cBhvr additive="base">
-                                        <p:cTn id="11" dur="500"/>
-                                        <p:tgtEl>
-                                          <p:spTgt spid="6"/>
-                                        </p:tgtEl>
-                                        <p:attrNameLst>
-                                          <p:attrName>ppt_y</p:attrName>
-                                        </p:attrNameLst>
-                                      </p:cBhvr>
-                                      <p:tavLst>
-                                        <p:tav tm="0">
-                                          <p:val>
-                                            <p:strVal val="#ppt_y+#ppt_h*1.125000"/>
-                                          </p:val>
-                                        </p:tav>
-                                        <p:tav tm="100000">
-                                          <p:val>
-                                            <p:strVal val="#ppt_y"/>
-                                          </p:val>
-                                        </p:tav>
-                                      </p:tavLst>
-                                    </p:anim>
-                                    <p:animEffect transition="in" filter="wipe(up)">
-                                      <p:cBhvr>
-                                        <p:cTn id="12" dur="500"/>
-                                        <p:tgtEl>
-                                          <p:spTgt spid="6"/>
-                                        </p:tgtEl>
-                                      </p:cBhvr>
-                                    </p:animEffect>
-                                  </p:childTnLst>
-                                </p:cTn>
-                              </p:par>
-                            </p:childTnLst>
-                          </p:cTn>
-                        </p:par>
-                      </p:childTnLst>
-                    </p:cTn>
-                  </p:par>
-                  <p:par>
-                    <p:cTn id="13" fill="hold">
-                      <p:stCondLst>
-                        <p:cond delay="indefinite"/>
-                      </p:stCondLst>
-                      <p:childTnLst>
-                        <p:par>
-                          <p:cTn id="14" fill="hold">
-                            <p:stCondLst>
-                              <p:cond delay="0"/>
-                            </p:stCondLst>
-                            <p:childTnLst>
-                              <p:par>
-                                <p:cTn id="15" presetID="20" presetClass="entr" presetSubtype="0" fill="hold" nodeType="clickEffect">
-                                  <p:stCondLst>
-                                    <p:cond delay="0"/>
-                                  </p:stCondLst>
-                                  <p:childTnLst>
-                                    <p:set>
-                                      <p:cBhvr>
-                                        <p:cTn id="16" dur="1" fill="hold">
-                                          <p:stCondLst>
-                                            <p:cond delay="0"/>
-                                          </p:stCondLst>
-                                        </p:cTn>
-                                        <p:tgtEl>
-                                          <p:spTgt spid="26"/>
-                                        </p:tgtEl>
-                                        <p:attrNameLst>
-                                          <p:attrName>style.visibility</p:attrName>
-                                        </p:attrNameLst>
-                                      </p:cBhvr>
-                                      <p:to>
-                                        <p:strVal val="visible"/>
-                                      </p:to>
-                                    </p:set>
-                                    <p:animEffect transition="in" filter="wedge">
-                                      <p:cBhvr>
-                                        <p:cTn id="17" dur="2000"/>
-                                        <p:tgtEl>
-                                          <p:spTgt spid="26"/>
-                                        </p:tgtEl>
-                                      </p:cBhvr>
-                                    </p:animEffect>
-                                  </p:childTnLst>
-                                </p:cTn>
-                              </p:par>
-                            </p:childTnLst>
-                          </p:cTn>
-                        </p:par>
-                      </p:childTnLst>
-                    </p:cTn>
-                  </p:par>
-                </p:childTnLst>
-              </p:cTn>
-              <p:prevCondLst>
-                <p:cond evt="onPrev" delay="0">
-                  <p:tgtEl>
-                    <p:sldTgt/>
-                  </p:tgtEl>
-                </p:cond>
-              </p:prevCondLst>
-              <p:nextCondLst>
-                <p:cond evt="onNext" delay="0">
-                  <p:tgtEl>
-                    <p:sldTgt/>
-                  </p:tgtEl>
-                </p:cond>
-              </p:nextCondLst>
-            </p:seq>
-          </p:childTnLst>
-        </p:cTn>
-      </p:par>
-    </p:tnLst>
-    <p:bldLst>
-      <p:bldP spid="7" grpId="0"/>
-    </p:bldLst>
-  </p:timing>
 </p:sld>
 </file>
 
@@ -13097,7 +13019,7 @@
     <p:bg>
       <p:bgPr>
         <a:blipFill>
-          <a:blip r:embed="rId2"/>
+          <a:blip r:embed="rId3"/>
           <a:tile tx="0" ty="0" sx="100000" sy="100000" flip="none" algn="tl"/>
         </a:blipFill>
         <a:effectLst/>

--- a/ppt/1.1绪论.pptx
+++ b/ppt/1.1绪论.pptx
@@ -246,7 +246,7 @@
           <a:p>
             <a:fld id="{66C3546E-20F6-7649-A9A4-4E4A245D3E82}" type="datetimeFigureOut">
               <a:rPr kumimoji="1" lang="zh-CN" altLang="en-US" smtClean="0"/>
-              <a:t>2020/2/17</a:t>
+              <a:t>2020/3/5</a:t>
             </a:fld>
             <a:endParaRPr kumimoji="1" lang="zh-CN" altLang="en-US"/>
           </a:p>
@@ -2091,7 +2091,7 @@
           <a:p>
             <a:fld id="{1C49BB65-7B3F-4D4E-A397-BBFD82890A5A}" type="datetimeFigureOut">
               <a:rPr kumimoji="1" lang="zh-CN" altLang="en-US" smtClean="0"/>
-              <a:t>2020/2/17</a:t>
+              <a:t>2020/3/5</a:t>
             </a:fld>
             <a:endParaRPr kumimoji="1" lang="zh-CN" altLang="en-US"/>
           </a:p>
@@ -2289,7 +2289,7 @@
           <a:p>
             <a:fld id="{1C49BB65-7B3F-4D4E-A397-BBFD82890A5A}" type="datetimeFigureOut">
               <a:rPr kumimoji="1" lang="zh-CN" altLang="en-US" smtClean="0"/>
-              <a:t>2020/2/17</a:t>
+              <a:t>2020/3/5</a:t>
             </a:fld>
             <a:endParaRPr kumimoji="1" lang="zh-CN" altLang="en-US"/>
           </a:p>
@@ -2497,7 +2497,7 @@
           <a:p>
             <a:fld id="{1C49BB65-7B3F-4D4E-A397-BBFD82890A5A}" type="datetimeFigureOut">
               <a:rPr kumimoji="1" lang="zh-CN" altLang="en-US" smtClean="0"/>
-              <a:t>2020/2/17</a:t>
+              <a:t>2020/3/5</a:t>
             </a:fld>
             <a:endParaRPr kumimoji="1" lang="zh-CN" altLang="en-US"/>
           </a:p>
@@ -2695,7 +2695,7 @@
           <a:p>
             <a:fld id="{1C49BB65-7B3F-4D4E-A397-BBFD82890A5A}" type="datetimeFigureOut">
               <a:rPr kumimoji="1" lang="zh-CN" altLang="en-US" smtClean="0"/>
-              <a:t>2020/2/17</a:t>
+              <a:t>2020/3/5</a:t>
             </a:fld>
             <a:endParaRPr kumimoji="1" lang="zh-CN" altLang="en-US"/>
           </a:p>
@@ -2970,7 +2970,7 @@
           <a:p>
             <a:fld id="{1C49BB65-7B3F-4D4E-A397-BBFD82890A5A}" type="datetimeFigureOut">
               <a:rPr kumimoji="1" lang="zh-CN" altLang="en-US" smtClean="0"/>
-              <a:t>2020/2/17</a:t>
+              <a:t>2020/3/5</a:t>
             </a:fld>
             <a:endParaRPr kumimoji="1" lang="zh-CN" altLang="en-US"/>
           </a:p>
@@ -3235,7 +3235,7 @@
           <a:p>
             <a:fld id="{1C49BB65-7B3F-4D4E-A397-BBFD82890A5A}" type="datetimeFigureOut">
               <a:rPr kumimoji="1" lang="zh-CN" altLang="en-US" smtClean="0"/>
-              <a:t>2020/2/17</a:t>
+              <a:t>2020/3/5</a:t>
             </a:fld>
             <a:endParaRPr kumimoji="1" lang="zh-CN" altLang="en-US"/>
           </a:p>
@@ -3647,7 +3647,7 @@
           <a:p>
             <a:fld id="{1C49BB65-7B3F-4D4E-A397-BBFD82890A5A}" type="datetimeFigureOut">
               <a:rPr kumimoji="1" lang="zh-CN" altLang="en-US" smtClean="0"/>
-              <a:t>2020/2/17</a:t>
+              <a:t>2020/3/5</a:t>
             </a:fld>
             <a:endParaRPr kumimoji="1" lang="zh-CN" altLang="en-US"/>
           </a:p>
@@ -3788,7 +3788,7 @@
           <a:p>
             <a:fld id="{1C49BB65-7B3F-4D4E-A397-BBFD82890A5A}" type="datetimeFigureOut">
               <a:rPr kumimoji="1" lang="zh-CN" altLang="en-US" smtClean="0"/>
-              <a:t>2020/2/17</a:t>
+              <a:t>2020/3/5</a:t>
             </a:fld>
             <a:endParaRPr kumimoji="1" lang="zh-CN" altLang="en-US"/>
           </a:p>
@@ -4158,7 +4158,7 @@
           <a:p>
             <a:fld id="{1C49BB65-7B3F-4D4E-A397-BBFD82890A5A}" type="datetimeFigureOut">
               <a:rPr kumimoji="1" lang="zh-CN" altLang="en-US" smtClean="0"/>
-              <a:t>2020/2/17</a:t>
+              <a:t>2020/3/5</a:t>
             </a:fld>
             <a:endParaRPr kumimoji="1" lang="zh-CN" altLang="en-US"/>
           </a:p>
@@ -4446,7 +4446,7 @@
           <a:p>
             <a:fld id="{1C49BB65-7B3F-4D4E-A397-BBFD82890A5A}" type="datetimeFigureOut">
               <a:rPr kumimoji="1" lang="zh-CN" altLang="en-US" smtClean="0"/>
-              <a:t>2020/2/17</a:t>
+              <a:t>2020/3/5</a:t>
             </a:fld>
             <a:endParaRPr kumimoji="1" lang="zh-CN" altLang="en-US"/>
           </a:p>
@@ -4687,7 +4687,7 @@
           <a:p>
             <a:fld id="{1C49BB65-7B3F-4D4E-A397-BBFD82890A5A}" type="datetimeFigureOut">
               <a:rPr kumimoji="1" lang="zh-CN" altLang="en-US" smtClean="0"/>
-              <a:t>2020/2/17</a:t>
+              <a:t>2020/3/5</a:t>
             </a:fld>
             <a:endParaRPr kumimoji="1" lang="zh-CN" altLang="en-US"/>
           </a:p>
@@ -5247,7 +5247,28 @@
                 <a:latin typeface="Microsoft YaHei" panose="020B0503020204020204" pitchFamily="34" charset="-122"/>
                 <a:ea typeface="Microsoft YaHei" panose="020B0503020204020204" pitchFamily="34" charset="-122"/>
               </a:rPr>
-              <a:t>第一节课 绪论</a:t>
+              <a:t>第</a:t>
+            </a:r>
+            <a:r>
+              <a:rPr kumimoji="1" lang="en-US" altLang="zh-CN" sz="4000">
+                <a:latin typeface="Microsoft YaHei" panose="020B0503020204020204" pitchFamily="34" charset="-122"/>
+                <a:ea typeface="Microsoft YaHei" panose="020B0503020204020204" pitchFamily="34" charset="-122"/>
+              </a:rPr>
+              <a:t>1</a:t>
+            </a:r>
+            <a:r>
+              <a:rPr kumimoji="1" lang="zh-CN" altLang="en-US" sz="4000">
+                <a:latin typeface="Microsoft YaHei" panose="020B0503020204020204" pitchFamily="34" charset="-122"/>
+                <a:ea typeface="Microsoft YaHei" panose="020B0503020204020204" pitchFamily="34" charset="-122"/>
+              </a:rPr>
+              <a:t>节</a:t>
+            </a:r>
+            <a:r>
+              <a:rPr kumimoji="1" lang="zh-CN" altLang="en-US" sz="4000" dirty="0">
+                <a:latin typeface="Microsoft YaHei" panose="020B0503020204020204" pitchFamily="34" charset="-122"/>
+                <a:ea typeface="Microsoft YaHei" panose="020B0503020204020204" pitchFamily="34" charset="-122"/>
+              </a:rPr>
+              <a:t>课 绪论</a:t>
             </a:r>
           </a:p>
         </p:txBody>
